--- a/doc/Poster_Smart4Finances_ESTG.pptx
+++ b/doc/Poster_Smart4Finances_ESTG.pptx
@@ -3368,14 +3368,239 @@
       </p:grpSpPr>
       <p:sp>
         <p:nvSpPr>
+          <p:cNvPr id="34" name="Retângulo Arredondado 33">
+            <a:extLst>
+              <a:ext uri="{FF2B5EF4-FFF2-40B4-BE49-F238E27FC236}">
+                <a16:creationId xmlns:a16="http://schemas.microsoft.com/office/drawing/2014/main" id="{900F436E-71DE-A52D-2E73-4617991EF653}"/>
+              </a:ext>
+            </a:extLst>
+          </p:cNvPr>
+          <p:cNvSpPr/>
+          <p:nvPr/>
+        </p:nvSpPr>
+        <p:spPr bwMode="auto">
+          <a:xfrm>
+            <a:off x="9013850" y="1224735"/>
+            <a:ext cx="3652936" cy="7320280"/>
+          </a:xfrm>
+          <a:prstGeom prst="roundRect">
+            <a:avLst>
+              <a:gd name="adj" fmla="val 2063"/>
+            </a:avLst>
+          </a:prstGeom>
+          <a:solidFill>
+            <a:schemeClr val="accent3">
+              <a:lumMod val="95000"/>
+            </a:schemeClr>
+          </a:solidFill>
+          <a:ln w="9525" cap="flat" cmpd="sng" algn="ctr">
+            <a:solidFill>
+              <a:schemeClr val="tx1"/>
+            </a:solidFill>
+            <a:prstDash val="solid"/>
+            <a:round/>
+            <a:headEnd type="none" w="med" len="med"/>
+            <a:tailEnd type="none" w="med" len="med"/>
+          </a:ln>
+          <a:effectLst/>
+        </p:spPr>
+        <p:txBody>
+          <a:bodyPr vert="horz" wrap="square" lIns="91440" tIns="45720" rIns="91440" bIns="45720" numCol="1" rtlCol="0" anchor="t" anchorCtr="0" compatLnSpc="1">
+            <a:prstTxWarp prst="textNoShape">
+              <a:avLst/>
+            </a:prstTxWarp>
+          </a:bodyPr>
+          <a:lstStyle/>
+          <a:p>
+            <a:pPr marL="0" marR="0" indent="0" algn="l" defTabSz="1279525" rtl="0" eaLnBrk="1" fontAlgn="base" latinLnBrk="0" hangingPunct="1">
+              <a:lnSpc>
+                <a:spcPct val="100000"/>
+              </a:lnSpc>
+              <a:spcBef>
+                <a:spcPct val="0"/>
+              </a:spcBef>
+              <a:spcAft>
+                <a:spcPct val="0"/>
+              </a:spcAft>
+              <a:buClrTx/>
+              <a:buSzTx/>
+              <a:buFontTx/>
+              <a:buNone/>
+              <a:tabLst/>
+            </a:pPr>
+            <a:endParaRPr kumimoji="0" lang="pt-PT" sz="2500" b="0" i="0" u="none" strike="noStrike" cap="none" normalizeH="0" baseline="0" dirty="0">
+              <a:ln>
+                <a:noFill/>
+              </a:ln>
+              <a:solidFill>
+                <a:schemeClr val="tx1"/>
+              </a:solidFill>
+              <a:effectLst/>
+              <a:latin typeface="Arial" panose="020B0604020202020204" pitchFamily="34" charset="0"/>
+            </a:endParaRPr>
+          </a:p>
+        </p:txBody>
+      </p:sp>
+      <p:sp>
+        <p:nvSpPr>
+          <p:cNvPr id="33" name="Retângulo Arredondado 32">
+            <a:extLst>
+              <a:ext uri="{FF2B5EF4-FFF2-40B4-BE49-F238E27FC236}">
+                <a16:creationId xmlns:a16="http://schemas.microsoft.com/office/drawing/2014/main" id="{CD806157-7C84-90CA-4FC7-F619F8A8F923}"/>
+              </a:ext>
+            </a:extLst>
+          </p:cNvPr>
+          <p:cNvSpPr/>
+          <p:nvPr/>
+        </p:nvSpPr>
+        <p:spPr bwMode="auto">
+          <a:xfrm>
+            <a:off x="4190228" y="1224735"/>
+            <a:ext cx="4672607" cy="7320280"/>
+          </a:xfrm>
+          <a:prstGeom prst="roundRect">
+            <a:avLst>
+              <a:gd name="adj" fmla="val 2063"/>
+            </a:avLst>
+          </a:prstGeom>
+          <a:solidFill>
+            <a:schemeClr val="accent3">
+              <a:lumMod val="95000"/>
+            </a:schemeClr>
+          </a:solidFill>
+          <a:ln w="9525" cap="flat" cmpd="sng" algn="ctr">
+            <a:solidFill>
+              <a:schemeClr val="tx1"/>
+            </a:solidFill>
+            <a:prstDash val="solid"/>
+            <a:round/>
+            <a:headEnd type="none" w="med" len="med"/>
+            <a:tailEnd type="none" w="med" len="med"/>
+          </a:ln>
+          <a:effectLst/>
+        </p:spPr>
+        <p:txBody>
+          <a:bodyPr vert="horz" wrap="square" lIns="91440" tIns="45720" rIns="91440" bIns="45720" numCol="1" rtlCol="0" anchor="t" anchorCtr="0" compatLnSpc="1">
+            <a:prstTxWarp prst="textNoShape">
+              <a:avLst/>
+            </a:prstTxWarp>
+          </a:bodyPr>
+          <a:lstStyle/>
+          <a:p>
+            <a:pPr marL="0" marR="0" indent="0" algn="l" defTabSz="1279525" rtl="0" eaLnBrk="1" fontAlgn="base" latinLnBrk="0" hangingPunct="1">
+              <a:lnSpc>
+                <a:spcPct val="100000"/>
+              </a:lnSpc>
+              <a:spcBef>
+                <a:spcPct val="0"/>
+              </a:spcBef>
+              <a:spcAft>
+                <a:spcPct val="0"/>
+              </a:spcAft>
+              <a:buClrTx/>
+              <a:buSzTx/>
+              <a:buFontTx/>
+              <a:buNone/>
+              <a:tabLst/>
+            </a:pPr>
+            <a:endParaRPr kumimoji="0" lang="pt-PT" sz="2500" b="0" i="0" u="none" strike="noStrike" cap="none" normalizeH="0" baseline="0" dirty="0">
+              <a:ln>
+                <a:noFill/>
+              </a:ln>
+              <a:solidFill>
+                <a:schemeClr val="tx1"/>
+              </a:solidFill>
+              <a:effectLst/>
+              <a:latin typeface="Arial" panose="020B0604020202020204" pitchFamily="34" charset="0"/>
+            </a:endParaRPr>
+          </a:p>
+        </p:txBody>
+      </p:sp>
+      <p:sp>
+        <p:nvSpPr>
+          <p:cNvPr id="32" name="Retângulo Arredondado 31">
+            <a:extLst>
+              <a:ext uri="{FF2B5EF4-FFF2-40B4-BE49-F238E27FC236}">
+                <a16:creationId xmlns:a16="http://schemas.microsoft.com/office/drawing/2014/main" id="{AF825C25-2371-AAE1-7374-74EB2AD9A3CE}"/>
+              </a:ext>
+            </a:extLst>
+          </p:cNvPr>
+          <p:cNvSpPr/>
+          <p:nvPr/>
+        </p:nvSpPr>
+        <p:spPr bwMode="auto">
+          <a:xfrm>
+            <a:off x="111539" y="1224734"/>
+            <a:ext cx="3925436" cy="7320281"/>
+          </a:xfrm>
+          <a:prstGeom prst="roundRect">
+            <a:avLst>
+              <a:gd name="adj" fmla="val 2063"/>
+            </a:avLst>
+          </a:prstGeom>
+          <a:solidFill>
+            <a:schemeClr val="accent3">
+              <a:lumMod val="95000"/>
+            </a:schemeClr>
+          </a:solidFill>
+          <a:ln w="9525" cap="flat" cmpd="sng" algn="ctr">
+            <a:solidFill>
+              <a:schemeClr val="tx1"/>
+            </a:solidFill>
+            <a:prstDash val="solid"/>
+            <a:round/>
+            <a:headEnd type="none" w="med" len="med"/>
+            <a:tailEnd type="none" w="med" len="med"/>
+          </a:ln>
+          <a:effectLst/>
+        </p:spPr>
+        <p:txBody>
+          <a:bodyPr vert="horz" wrap="square" lIns="91440" tIns="45720" rIns="91440" bIns="45720" numCol="1" rtlCol="0" anchor="t" anchorCtr="0" compatLnSpc="1">
+            <a:prstTxWarp prst="textNoShape">
+              <a:avLst/>
+            </a:prstTxWarp>
+          </a:bodyPr>
+          <a:lstStyle/>
+          <a:p>
+            <a:pPr marL="0" marR="0" indent="0" algn="l" defTabSz="1279525" rtl="0" eaLnBrk="1" fontAlgn="base" latinLnBrk="0" hangingPunct="1">
+              <a:lnSpc>
+                <a:spcPct val="100000"/>
+              </a:lnSpc>
+              <a:spcBef>
+                <a:spcPct val="0"/>
+              </a:spcBef>
+              <a:spcAft>
+                <a:spcPct val="0"/>
+              </a:spcAft>
+              <a:buClrTx/>
+              <a:buSzTx/>
+              <a:buFontTx/>
+              <a:buNone/>
+              <a:tabLst/>
+            </a:pPr>
+            <a:endParaRPr kumimoji="0" lang="pt-PT" sz="2500" b="0" i="0" u="none" strike="noStrike" cap="none" normalizeH="0" baseline="0" dirty="0">
+              <a:ln>
+                <a:noFill/>
+              </a:ln>
+              <a:solidFill>
+                <a:schemeClr val="tx1"/>
+              </a:solidFill>
+              <a:effectLst/>
+              <a:latin typeface="Arial" panose="020B0604020202020204" pitchFamily="34" charset="0"/>
+            </a:endParaRPr>
+          </a:p>
+        </p:txBody>
+      </p:sp>
+      <p:sp>
+        <p:nvSpPr>
           <p:cNvPr id="2" name="Rectangle 1"/>
           <p:cNvSpPr/>
           <p:nvPr/>
         </p:nvSpPr>
         <p:spPr bwMode="auto">
           <a:xfrm flipH="1">
-            <a:off x="5680720" y="-1"/>
-            <a:ext cx="7120880" cy="1136400"/>
+            <a:off x="6145906" y="-8207"/>
+            <a:ext cx="6655694" cy="1136399"/>
           </a:xfrm>
           <a:prstGeom prst="rect">
             <a:avLst/>
@@ -3438,60 +3663,6 @@
           </a:p>
         </p:txBody>
       </p:sp>
-      <p:sp>
-        <p:nvSpPr>
-          <p:cNvPr id="37" name="Marcador de Posição de Conteúdo 2"/>
-          <p:cNvSpPr>
-            <a:spLocks noGrp="1"/>
-          </p:cNvSpPr>
-          <p:nvPr>
-            <p:ph sz="half" idx="1"/>
-          </p:nvPr>
-        </p:nvSpPr>
-        <p:spPr>
-          <a:xfrm>
-            <a:off x="250825" y="1632248"/>
-            <a:ext cx="6073775" cy="7704856"/>
-          </a:xfrm>
-        </p:spPr>
-        <p:txBody>
-          <a:bodyPr/>
-          <a:lstStyle/>
-          <a:p>
-            <a:pPr marL="0" indent="0">
-              <a:buClr>
-                <a:srgbClr val="D45500"/>
-              </a:buClr>
-              <a:buNone/>
-            </a:pPr>
-            <a:endParaRPr lang="pt-PT" sz="1200" dirty="0"/>
-          </a:p>
-        </p:txBody>
-      </p:sp>
-      <p:sp>
-        <p:nvSpPr>
-          <p:cNvPr id="7" name="Content Placeholder 6"/>
-          <p:cNvSpPr>
-            <a:spLocks noGrp="1"/>
-          </p:cNvSpPr>
-          <p:nvPr>
-            <p:ph sz="half" idx="2"/>
-          </p:nvPr>
-        </p:nvSpPr>
-        <p:spPr>
-          <a:xfrm>
-            <a:off x="6477000" y="1632248"/>
-            <a:ext cx="6188496" cy="7704856"/>
-          </a:xfrm>
-        </p:spPr>
-        <p:txBody>
-          <a:bodyPr/>
-          <a:lstStyle/>
-          <a:p>
-            <a:endParaRPr lang="pt-PT" sz="1200" dirty="0"/>
-          </a:p>
-        </p:txBody>
-      </p:sp>
       <p:pic>
         <p:nvPicPr>
           <p:cNvPr id="1027" name="Picture 3"/>
@@ -3515,7 +3686,7 @@
         </p:blipFill>
         <p:spPr bwMode="auto">
           <a:xfrm>
-            <a:off x="0" y="0"/>
+            <a:off x="0" y="-8207"/>
             <a:ext cx="4672608" cy="1136399"/>
           </a:xfrm>
           <a:prstGeom prst="rect">
@@ -3567,7 +3738,7 @@
         </p:blipFill>
         <p:spPr bwMode="auto">
           <a:xfrm>
-            <a:off x="9497144" y="19895"/>
+            <a:off x="9497144" y="15875"/>
             <a:ext cx="3304456" cy="922121"/>
           </a:xfrm>
           <a:prstGeom prst="rect">
@@ -3710,29 +3881,635 @@
       </p:pic>
       <p:sp>
         <p:nvSpPr>
-          <p:cNvPr id="3" name="Título 2">
+          <p:cNvPr id="12" name="Retângulo 11">
             <a:extLst>
               <a:ext uri="{FF2B5EF4-FFF2-40B4-BE49-F238E27FC236}">
-                <a16:creationId xmlns:a16="http://schemas.microsoft.com/office/drawing/2014/main" id="{9C1478EB-5696-8E6D-88BF-D99F39AA04C6}"/>
+                <a16:creationId xmlns:a16="http://schemas.microsoft.com/office/drawing/2014/main" id="{65F7D2A9-DF1C-1A15-C768-76DCE05F9A7F}"/>
               </a:ext>
             </a:extLst>
           </p:cNvPr>
-          <p:cNvSpPr>
-            <a:spLocks noGrp="1"/>
-          </p:cNvSpPr>
-          <p:nvPr>
-            <p:ph type="title"/>
-          </p:nvPr>
-        </p:nvSpPr>
-        <p:spPr/>
-        <p:txBody>
-          <a:bodyPr/>
+          <p:cNvSpPr/>
+          <p:nvPr/>
+        </p:nvSpPr>
+        <p:spPr bwMode="auto">
+          <a:xfrm>
+            <a:off x="0" y="8617023"/>
+            <a:ext cx="12801600" cy="984177"/>
+          </a:xfrm>
+          <a:prstGeom prst="rect">
+            <a:avLst/>
+          </a:prstGeom>
+          <a:solidFill>
+            <a:schemeClr val="tx1"/>
+          </a:solidFill>
+          <a:ln w="9525" cap="flat" cmpd="sng" algn="ctr">
+            <a:noFill/>
+            <a:prstDash val="solid"/>
+            <a:round/>
+            <a:headEnd type="none" w="med" len="med"/>
+            <a:tailEnd type="none" w="med" len="med"/>
+          </a:ln>
+          <a:effectLst/>
+        </p:spPr>
+        <p:txBody>
+          <a:bodyPr vert="horz" wrap="square" lIns="91440" tIns="45720" rIns="91440" bIns="45720" numCol="1" rtlCol="0" anchor="t" anchorCtr="0" compatLnSpc="1">
+            <a:prstTxWarp prst="textNoShape">
+              <a:avLst/>
+            </a:prstTxWarp>
+          </a:bodyPr>
           <a:lstStyle/>
           <a:p>
-            <a:endParaRPr lang="pt-PT"/>
-          </a:p>
-        </p:txBody>
-      </p:sp>
+            <a:pPr marL="0" marR="0" indent="0" algn="l" defTabSz="1279525" rtl="0" eaLnBrk="1" fontAlgn="base" latinLnBrk="0" hangingPunct="1">
+              <a:lnSpc>
+                <a:spcPct val="100000"/>
+              </a:lnSpc>
+              <a:spcBef>
+                <a:spcPct val="0"/>
+              </a:spcBef>
+              <a:spcAft>
+                <a:spcPct val="0"/>
+              </a:spcAft>
+              <a:buClrTx/>
+              <a:buSzTx/>
+              <a:buFontTx/>
+              <a:buNone/>
+              <a:tabLst/>
+            </a:pPr>
+            <a:endParaRPr kumimoji="0" lang="pt-PT" sz="2500" b="0" i="0" u="none" strike="noStrike" cap="none" normalizeH="0" baseline="0">
+              <a:ln>
+                <a:noFill/>
+              </a:ln>
+              <a:solidFill>
+                <a:schemeClr val="tx1"/>
+              </a:solidFill>
+              <a:effectLst/>
+              <a:latin typeface="Arial" panose="020B0604020202020204" pitchFamily="34" charset="0"/>
+            </a:endParaRPr>
+          </a:p>
+        </p:txBody>
+      </p:sp>
+      <p:pic>
+        <p:nvPicPr>
+          <p:cNvPr id="14" name="Imagem 13" descr="Uma imagem com texto, Tipo de letra, logótipo, círculo&#10;&#10;Os conteúdos gerados por IA podem estar incorretos.">
+            <a:extLst>
+              <a:ext uri="{FF2B5EF4-FFF2-40B4-BE49-F238E27FC236}">
+                <a16:creationId xmlns:a16="http://schemas.microsoft.com/office/drawing/2014/main" id="{4D8E4D7F-E9D9-247E-25D5-0CC9C7C22103}"/>
+              </a:ext>
+            </a:extLst>
+          </p:cNvPr>
+          <p:cNvPicPr>
+            <a:picLocks noChangeAspect="1"/>
+          </p:cNvPicPr>
+          <p:nvPr/>
+        </p:nvPicPr>
+        <p:blipFill>
+          <a:blip r:embed="rId5">
+            <a:extLst>
+              <a:ext uri="{28A0092B-C50C-407E-A947-70E740481C1C}">
+                <a14:useLocalDpi xmlns:a14="http://schemas.microsoft.com/office/drawing/2010/main" val="0"/>
+              </a:ext>
+            </a:extLst>
+          </a:blip>
+          <a:srcRect t="8959" r="5569" b="9541"/>
+          <a:stretch>
+            <a:fillRect/>
+          </a:stretch>
+        </p:blipFill>
+        <p:spPr>
+          <a:xfrm>
+            <a:off x="-7912" y="8617023"/>
+            <a:ext cx="1523807" cy="968302"/>
+          </a:xfrm>
+          <a:prstGeom prst="rect">
+            <a:avLst/>
+          </a:prstGeom>
+        </p:spPr>
+      </p:pic>
+      <p:sp>
+        <p:nvSpPr>
+          <p:cNvPr id="10" name="CaixaDeTexto 9">
+            <a:extLst>
+              <a:ext uri="{FF2B5EF4-FFF2-40B4-BE49-F238E27FC236}">
+                <a16:creationId xmlns:a16="http://schemas.microsoft.com/office/drawing/2014/main" id="{FE0B202B-232A-556C-8EEB-1586004C231A}"/>
+              </a:ext>
+            </a:extLst>
+          </p:cNvPr>
+          <p:cNvSpPr txBox="1"/>
+          <p:nvPr/>
+        </p:nvSpPr>
+        <p:spPr>
+          <a:xfrm>
+            <a:off x="3273068" y="8665559"/>
+            <a:ext cx="2664296" cy="830997"/>
+          </a:xfrm>
+          <a:prstGeom prst="rect">
+            <a:avLst/>
+          </a:prstGeom>
+          <a:noFill/>
+        </p:spPr>
+        <p:txBody>
+          <a:bodyPr wrap="square" rtlCol="0">
+            <a:spAutoFit/>
+          </a:bodyPr>
+          <a:lstStyle/>
+          <a:p>
+            <a:r>
+              <a:rPr lang="pt-PT" sz="2000" dirty="0">
+                <a:solidFill>
+                  <a:srgbClr val="DDAB28"/>
+                </a:solidFill>
+              </a:rPr>
+              <a:t>Autores</a:t>
+            </a:r>
+            <a:endParaRPr lang="pt-PT" dirty="0">
+              <a:solidFill>
+                <a:srgbClr val="DDAB28"/>
+              </a:solidFill>
+            </a:endParaRPr>
+          </a:p>
+          <a:p>
+            <a:r>
+              <a:rPr lang="pt-PT" sz="1400" dirty="0">
+                <a:solidFill>
+                  <a:srgbClr val="DDAB28"/>
+                </a:solidFill>
+              </a:rPr>
+              <a:t>Gonçalo Ferreira – 2222051</a:t>
+            </a:r>
+          </a:p>
+          <a:p>
+            <a:r>
+              <a:rPr lang="pt-PT" sz="1400" dirty="0">
+                <a:solidFill>
+                  <a:srgbClr val="DDAB28"/>
+                </a:solidFill>
+              </a:rPr>
+              <a:t>Cláudio Martins - 2222040</a:t>
+            </a:r>
+          </a:p>
+        </p:txBody>
+      </p:sp>
+      <p:sp>
+        <p:nvSpPr>
+          <p:cNvPr id="11" name="CaixaDeTexto 10">
+            <a:extLst>
+              <a:ext uri="{FF2B5EF4-FFF2-40B4-BE49-F238E27FC236}">
+                <a16:creationId xmlns:a16="http://schemas.microsoft.com/office/drawing/2014/main" id="{511F9E56-E752-FCC4-6B00-0D971B68787E}"/>
+              </a:ext>
+            </a:extLst>
+          </p:cNvPr>
+          <p:cNvSpPr txBox="1"/>
+          <p:nvPr/>
+        </p:nvSpPr>
+        <p:spPr>
+          <a:xfrm>
+            <a:off x="7573238" y="8696197"/>
+            <a:ext cx="2664296" cy="615553"/>
+          </a:xfrm>
+          <a:prstGeom prst="rect">
+            <a:avLst/>
+          </a:prstGeom>
+          <a:noFill/>
+        </p:spPr>
+        <p:txBody>
+          <a:bodyPr wrap="square" rtlCol="0">
+            <a:spAutoFit/>
+          </a:bodyPr>
+          <a:lstStyle/>
+          <a:p>
+            <a:r>
+              <a:rPr lang="pt-PT" sz="2000" dirty="0">
+                <a:solidFill>
+                  <a:srgbClr val="DDAB28"/>
+                </a:solidFill>
+              </a:rPr>
+              <a:t>Orientador</a:t>
+            </a:r>
+            <a:endParaRPr lang="pt-PT" sz="1400" dirty="0">
+              <a:solidFill>
+                <a:srgbClr val="DDAB28"/>
+              </a:solidFill>
+            </a:endParaRPr>
+          </a:p>
+          <a:p>
+            <a:r>
+              <a:rPr lang="pt-PT" sz="1400" dirty="0">
+                <a:solidFill>
+                  <a:srgbClr val="DDAB28"/>
+                </a:solidFill>
+              </a:rPr>
+              <a:t>Iolanda Bernardino</a:t>
+            </a:r>
+          </a:p>
+        </p:txBody>
+      </p:sp>
+      <p:pic>
+        <p:nvPicPr>
+          <p:cNvPr id="16" name="Imagem 15" descr="Uma imagem com círculo, símbolo&#10;&#10;Os conteúdos gerados por IA podem estar incorretos.">
+            <a:extLst>
+              <a:ext uri="{FF2B5EF4-FFF2-40B4-BE49-F238E27FC236}">
+                <a16:creationId xmlns:a16="http://schemas.microsoft.com/office/drawing/2014/main" id="{7E0738EC-3691-28ED-3701-5798FA1773BA}"/>
+              </a:ext>
+            </a:extLst>
+          </p:cNvPr>
+          <p:cNvPicPr>
+            <a:picLocks noChangeAspect="1"/>
+          </p:cNvPicPr>
+          <p:nvPr/>
+        </p:nvPicPr>
+        <p:blipFill>
+          <a:blip r:embed="rId6">
+            <a:extLst>
+              <a:ext uri="{28A0092B-C50C-407E-A947-70E740481C1C}">
+                <a14:useLocalDpi xmlns:a14="http://schemas.microsoft.com/office/drawing/2010/main" val="0"/>
+              </a:ext>
+            </a:extLst>
+          </a:blip>
+          <a:stretch>
+            <a:fillRect/>
+          </a:stretch>
+        </p:blipFill>
+        <p:spPr>
+          <a:xfrm>
+            <a:off x="11873408" y="8757243"/>
+            <a:ext cx="678304" cy="680478"/>
+          </a:xfrm>
+          <a:prstGeom prst="rect">
+            <a:avLst/>
+          </a:prstGeom>
+        </p:spPr>
+      </p:pic>
+      <p:sp>
+        <p:nvSpPr>
+          <p:cNvPr id="17" name="CaixaDeTexto 16">
+            <a:extLst>
+              <a:ext uri="{FF2B5EF4-FFF2-40B4-BE49-F238E27FC236}">
+                <a16:creationId xmlns:a16="http://schemas.microsoft.com/office/drawing/2014/main" id="{C0995A22-B527-B880-F92A-805520E2CEDC}"/>
+              </a:ext>
+            </a:extLst>
+          </p:cNvPr>
+          <p:cNvSpPr txBox="1"/>
+          <p:nvPr/>
+        </p:nvSpPr>
+        <p:spPr>
+          <a:xfrm>
+            <a:off x="153294" y="1344216"/>
+            <a:ext cx="3799234" cy="2185214"/>
+          </a:xfrm>
+          <a:prstGeom prst="rect">
+            <a:avLst/>
+          </a:prstGeom>
+          <a:noFill/>
+        </p:spPr>
+        <p:txBody>
+          <a:bodyPr wrap="square" rtlCol="0">
+            <a:spAutoFit/>
+          </a:bodyPr>
+          <a:lstStyle/>
+          <a:p>
+            <a:r>
+              <a:rPr lang="pt-PT" sz="2000" dirty="0">
+                <a:solidFill>
+                  <a:srgbClr val="DDAB28"/>
+                </a:solidFill>
+              </a:rPr>
+              <a:t>Resumo</a:t>
+            </a:r>
+            <a:endParaRPr lang="pt-PT" sz="1800" dirty="0">
+              <a:solidFill>
+                <a:srgbClr val="DDAB28"/>
+              </a:solidFill>
+            </a:endParaRPr>
+          </a:p>
+          <a:p>
+            <a:pPr algn="just"/>
+            <a:r>
+              <a:rPr lang="pt-PT" sz="1200" dirty="0"/>
+              <a:t>O</a:t>
+            </a:r>
+            <a:r>
+              <a:rPr lang="pt-PT" sz="1200" b="1" dirty="0"/>
+              <a:t> Smart4Finances</a:t>
+            </a:r>
+            <a:r>
+              <a:rPr lang="pt-PT" sz="1200" dirty="0"/>
+              <a:t> é uma aplicação web desenvolvida no âmbito da Licenciatura em Engenharia Informática que permite aos utilizadores gerir os seus rendimentos, despesas e investimentos. Com dashboards interativos e relatórios detalhados, a plataforma promove a literacia financeira e ajuda na tomada de decisões mais informadas sobre finanças pessoais.</a:t>
+            </a:r>
+            <a:endParaRPr lang="pt-PT" sz="1050" dirty="0">
+              <a:solidFill>
+                <a:srgbClr val="DDAB28"/>
+              </a:solidFill>
+            </a:endParaRPr>
+          </a:p>
+          <a:p>
+            <a:endParaRPr lang="pt-PT" sz="2000" dirty="0">
+              <a:solidFill>
+                <a:srgbClr val="DDAB28"/>
+              </a:solidFill>
+            </a:endParaRPr>
+          </a:p>
+        </p:txBody>
+      </p:sp>
+      <p:sp>
+        <p:nvSpPr>
+          <p:cNvPr id="18" name="CaixaDeTexto 17">
+            <a:extLst>
+              <a:ext uri="{FF2B5EF4-FFF2-40B4-BE49-F238E27FC236}">
+                <a16:creationId xmlns:a16="http://schemas.microsoft.com/office/drawing/2014/main" id="{BC3FC015-C265-7988-55AF-945C83FCF3B0}"/>
+              </a:ext>
+            </a:extLst>
+          </p:cNvPr>
+          <p:cNvSpPr txBox="1"/>
+          <p:nvPr/>
+        </p:nvSpPr>
+        <p:spPr>
+          <a:xfrm>
+            <a:off x="129357" y="3270474"/>
+            <a:ext cx="3652937" cy="400110"/>
+          </a:xfrm>
+          <a:prstGeom prst="rect">
+            <a:avLst/>
+          </a:prstGeom>
+          <a:noFill/>
+        </p:spPr>
+        <p:txBody>
+          <a:bodyPr wrap="square" rtlCol="0">
+            <a:spAutoFit/>
+          </a:bodyPr>
+          <a:lstStyle/>
+          <a:p>
+            <a:r>
+              <a:rPr lang="pt-PT" sz="2000" dirty="0">
+                <a:solidFill>
+                  <a:srgbClr val="DDAB28"/>
+                </a:solidFill>
+              </a:rPr>
+              <a:t>Objetivos</a:t>
+            </a:r>
+          </a:p>
+        </p:txBody>
+      </p:sp>
+      <p:sp>
+        <p:nvSpPr>
+          <p:cNvPr id="19" name="CaixaDeTexto 18">
+            <a:extLst>
+              <a:ext uri="{FF2B5EF4-FFF2-40B4-BE49-F238E27FC236}">
+                <a16:creationId xmlns:a16="http://schemas.microsoft.com/office/drawing/2014/main" id="{72712030-DFCC-1903-CEA5-707D876C745F}"/>
+              </a:ext>
+            </a:extLst>
+          </p:cNvPr>
+          <p:cNvSpPr txBox="1"/>
+          <p:nvPr/>
+        </p:nvSpPr>
+        <p:spPr>
+          <a:xfrm>
+            <a:off x="4187990" y="1343552"/>
+            <a:ext cx="3652937" cy="400110"/>
+          </a:xfrm>
+          <a:prstGeom prst="rect">
+            <a:avLst/>
+          </a:prstGeom>
+          <a:noFill/>
+        </p:spPr>
+        <p:txBody>
+          <a:bodyPr wrap="square" rtlCol="0">
+            <a:spAutoFit/>
+          </a:bodyPr>
+          <a:lstStyle/>
+          <a:p>
+            <a:r>
+              <a:rPr lang="pt-PT" sz="2000" dirty="0">
+                <a:solidFill>
+                  <a:srgbClr val="DDAB28"/>
+                </a:solidFill>
+              </a:rPr>
+              <a:t>Arquitetura da Solução</a:t>
+            </a:r>
+          </a:p>
+        </p:txBody>
+      </p:sp>
+      <p:sp>
+        <p:nvSpPr>
+          <p:cNvPr id="20" name="CaixaDeTexto 19">
+            <a:extLst>
+              <a:ext uri="{FF2B5EF4-FFF2-40B4-BE49-F238E27FC236}">
+                <a16:creationId xmlns:a16="http://schemas.microsoft.com/office/drawing/2014/main" id="{7E34930F-FF54-E12A-2AC2-39B68B618379}"/>
+              </a:ext>
+            </a:extLst>
+          </p:cNvPr>
+          <p:cNvSpPr txBox="1"/>
+          <p:nvPr/>
+        </p:nvSpPr>
+        <p:spPr>
+          <a:xfrm>
+            <a:off x="134814" y="5857621"/>
+            <a:ext cx="3652937" cy="400110"/>
+          </a:xfrm>
+          <a:prstGeom prst="rect">
+            <a:avLst/>
+          </a:prstGeom>
+          <a:noFill/>
+        </p:spPr>
+        <p:txBody>
+          <a:bodyPr wrap="square" rtlCol="0">
+            <a:spAutoFit/>
+          </a:bodyPr>
+          <a:lstStyle/>
+          <a:p>
+            <a:r>
+              <a:rPr lang="pt-PT" sz="2000" dirty="0">
+                <a:solidFill>
+                  <a:srgbClr val="DDAB28"/>
+                </a:solidFill>
+              </a:rPr>
+              <a:t>Arquitetura Proposta</a:t>
+            </a:r>
+          </a:p>
+        </p:txBody>
+      </p:sp>
+      <p:sp>
+        <p:nvSpPr>
+          <p:cNvPr id="21" name="CaixaDeTexto 20">
+            <a:extLst>
+              <a:ext uri="{FF2B5EF4-FFF2-40B4-BE49-F238E27FC236}">
+                <a16:creationId xmlns:a16="http://schemas.microsoft.com/office/drawing/2014/main" id="{A789BA4B-1540-A7CF-394F-1D5F8DB26FEB}"/>
+              </a:ext>
+            </a:extLst>
+          </p:cNvPr>
+          <p:cNvSpPr txBox="1"/>
+          <p:nvPr/>
+        </p:nvSpPr>
+        <p:spPr>
+          <a:xfrm>
+            <a:off x="9073419" y="1343552"/>
+            <a:ext cx="3652937" cy="400110"/>
+          </a:xfrm>
+          <a:prstGeom prst="rect">
+            <a:avLst/>
+          </a:prstGeom>
+          <a:noFill/>
+        </p:spPr>
+        <p:txBody>
+          <a:bodyPr wrap="square" rtlCol="0">
+            <a:spAutoFit/>
+          </a:bodyPr>
+          <a:lstStyle/>
+          <a:p>
+            <a:r>
+              <a:rPr lang="pt-PT" sz="2000" dirty="0">
+                <a:solidFill>
+                  <a:srgbClr val="DDAB28"/>
+                </a:solidFill>
+              </a:rPr>
+              <a:t>Resultados Obtidos</a:t>
+            </a:r>
+          </a:p>
+        </p:txBody>
+      </p:sp>
+      <p:pic>
+        <p:nvPicPr>
+          <p:cNvPr id="25" name="Imagem 24" descr="Uma imagem com texto, Tipo de letra, captura de ecrã, file&#10;&#10;Os conteúdos gerados por IA podem estar incorretos.">
+            <a:extLst>
+              <a:ext uri="{FF2B5EF4-FFF2-40B4-BE49-F238E27FC236}">
+                <a16:creationId xmlns:a16="http://schemas.microsoft.com/office/drawing/2014/main" id="{22835A65-2FEF-385D-052A-18FCDD2DB24F}"/>
+              </a:ext>
+            </a:extLst>
+          </p:cNvPr>
+          <p:cNvPicPr>
+            <a:picLocks noChangeAspect="1"/>
+          </p:cNvPicPr>
+          <p:nvPr/>
+        </p:nvPicPr>
+        <p:blipFill>
+          <a:blip r:embed="rId7">
+            <a:extLst>
+              <a:ext uri="{28A0092B-C50C-407E-A947-70E740481C1C}">
+                <a14:useLocalDpi xmlns:a14="http://schemas.microsoft.com/office/drawing/2010/main" val="0"/>
+              </a:ext>
+            </a:extLst>
+          </a:blip>
+          <a:stretch>
+            <a:fillRect/>
+          </a:stretch>
+        </p:blipFill>
+        <p:spPr>
+          <a:xfrm>
+            <a:off x="3088432" y="5880853"/>
+            <a:ext cx="866377" cy="2584592"/>
+          </a:xfrm>
+          <a:prstGeom prst="rect">
+            <a:avLst/>
+          </a:prstGeom>
+        </p:spPr>
+      </p:pic>
+      <p:pic>
+        <p:nvPicPr>
+          <p:cNvPr id="27" name="Imagem 26" descr="Uma imagem com texto, captura de ecrã, Tipo de letra, diagrama&#10;&#10;Os conteúdos gerados por IA podem estar incorretos.">
+            <a:extLst>
+              <a:ext uri="{FF2B5EF4-FFF2-40B4-BE49-F238E27FC236}">
+                <a16:creationId xmlns:a16="http://schemas.microsoft.com/office/drawing/2014/main" id="{DEFB20F4-527E-9A2B-6C6B-44FA5B87AED0}"/>
+              </a:ext>
+            </a:extLst>
+          </p:cNvPr>
+          <p:cNvPicPr>
+            <a:picLocks noChangeAspect="1"/>
+          </p:cNvPicPr>
+          <p:nvPr/>
+        </p:nvPicPr>
+        <p:blipFill>
+          <a:blip r:embed="rId8">
+            <a:extLst>
+              <a:ext uri="{28A0092B-C50C-407E-A947-70E740481C1C}">
+                <a14:useLocalDpi xmlns:a14="http://schemas.microsoft.com/office/drawing/2010/main" val="0"/>
+              </a:ext>
+            </a:extLst>
+          </a:blip>
+          <a:stretch>
+            <a:fillRect/>
+          </a:stretch>
+        </p:blipFill>
+        <p:spPr>
+          <a:xfrm>
+            <a:off x="4929813" y="5073854"/>
+            <a:ext cx="3193436" cy="3203672"/>
+          </a:xfrm>
+          <a:prstGeom prst="rect">
+            <a:avLst/>
+          </a:prstGeom>
+        </p:spPr>
+      </p:pic>
+      <p:pic>
+        <p:nvPicPr>
+          <p:cNvPr id="29" name="Imagem 28" descr="Uma imagem com texto, captura de ecrã, diagrama, Gráfico&#10;&#10;Os conteúdos gerados por IA podem estar incorretos.">
+            <a:extLst>
+              <a:ext uri="{FF2B5EF4-FFF2-40B4-BE49-F238E27FC236}">
+                <a16:creationId xmlns:a16="http://schemas.microsoft.com/office/drawing/2014/main" id="{1182EE6E-66D3-26D0-505B-1B55981DCB99}"/>
+              </a:ext>
+            </a:extLst>
+          </p:cNvPr>
+          <p:cNvPicPr>
+            <a:picLocks noChangeAspect="1"/>
+          </p:cNvPicPr>
+          <p:nvPr/>
+        </p:nvPicPr>
+        <p:blipFill>
+          <a:blip r:embed="rId9">
+            <a:extLst>
+              <a:ext uri="{28A0092B-C50C-407E-A947-70E740481C1C}">
+                <a14:useLocalDpi xmlns:a14="http://schemas.microsoft.com/office/drawing/2010/main" val="0"/>
+              </a:ext>
+            </a:extLst>
+          </a:blip>
+          <a:stretch>
+            <a:fillRect/>
+          </a:stretch>
+        </p:blipFill>
+        <p:spPr>
+          <a:xfrm>
+            <a:off x="9372823" y="3226635"/>
+            <a:ext cx="2566094" cy="3072408"/>
+          </a:xfrm>
+          <a:prstGeom prst="rect">
+            <a:avLst/>
+          </a:prstGeom>
+        </p:spPr>
+      </p:pic>
+      <p:pic>
+        <p:nvPicPr>
+          <p:cNvPr id="31" name="Imagem 30" descr="Uma imagem com texto, captura de ecrã, diagrama, círculo&#10;&#10;Os conteúdos gerados por IA podem estar incorretos.">
+            <a:extLst>
+              <a:ext uri="{FF2B5EF4-FFF2-40B4-BE49-F238E27FC236}">
+                <a16:creationId xmlns:a16="http://schemas.microsoft.com/office/drawing/2014/main" id="{E5C17502-A6FB-87DC-9CCE-0164D3BFB984}"/>
+              </a:ext>
+            </a:extLst>
+          </p:cNvPr>
+          <p:cNvPicPr>
+            <a:picLocks noChangeAspect="1"/>
+          </p:cNvPicPr>
+          <p:nvPr/>
+        </p:nvPicPr>
+        <p:blipFill>
+          <a:blip r:embed="rId10">
+            <a:extLst>
+              <a:ext uri="{28A0092B-C50C-407E-A947-70E740481C1C}">
+                <a14:useLocalDpi xmlns:a14="http://schemas.microsoft.com/office/drawing/2010/main" val="0"/>
+              </a:ext>
+            </a:extLst>
+          </a:blip>
+          <a:stretch>
+            <a:fillRect/>
+          </a:stretch>
+        </p:blipFill>
+        <p:spPr>
+          <a:xfrm>
+            <a:off x="9372538" y="6283199"/>
+            <a:ext cx="2566094" cy="2196241"/>
+          </a:xfrm>
+          <a:prstGeom prst="rect">
+            <a:avLst/>
+          </a:prstGeom>
+        </p:spPr>
+      </p:pic>
     </p:spTree>
   </p:cSld>
   <p:clrMapOvr>
@@ -3935,20 +4712,10 @@
   <a:objectDefaults>
     <a:spDef>
       <a:spPr bwMode="auto">
-        <a:xfrm>
-          <a:off x="0" y="0"/>
-          <a:ext cx="1" cy="1"/>
-        </a:xfrm>
-        <a:custGeom>
-          <a:avLst/>
-          <a:gdLst/>
-          <a:ahLst/>
-          <a:cxnLst/>
-          <a:rect l="0" t="0" r="0" b="0"/>
-          <a:pathLst/>
-        </a:custGeom>
         <a:solidFill>
-          <a:schemeClr val="accent1"/>
+          <a:schemeClr val="accent3">
+            <a:lumMod val="85000"/>
+          </a:schemeClr>
         </a:solidFill>
         <a:ln w="9525" cap="flat" cmpd="sng" algn="ctr">
           <a:solidFill>
@@ -3960,19 +4727,8 @@
           <a:tailEnd type="none" w="med" len="med"/>
         </a:ln>
         <a:effectLst/>
-        <a:extLst>
-          <a:ext uri="{AF507438-7753-43E0-B8FC-AC1667EBCBE1}">
-            <a14:hiddenEffects xmlns:a14="http://schemas.microsoft.com/office/drawing/2010/main">
-              <a:effectLst>
-                <a:outerShdw dist="35921" dir="2700000" algn="ctr" rotWithShape="0">
-                  <a:schemeClr val="bg2"/>
-                </a:outerShdw>
-              </a:effectLst>
-            </a14:hiddenEffects>
-          </a:ext>
-        </a:extLst>
       </a:spPr>
-      <a:bodyPr vert="horz" wrap="square" lIns="91440" tIns="45720" rIns="91440" bIns="45720" numCol="1" anchor="t" anchorCtr="0" compatLnSpc="1">
+      <a:bodyPr vert="horz" wrap="square" lIns="91440" tIns="45720" rIns="91440" bIns="45720" numCol="1" rtlCol="0" anchor="t" anchorCtr="0" compatLnSpc="1">
         <a:prstTxWarp prst="textNoShape">
           <a:avLst/>
         </a:prstTxWarp>
@@ -3993,7 +4749,7 @@
           <a:buFontTx/>
           <a:buNone/>
           <a:tabLst/>
-          <a:defRPr kumimoji="0" lang="pt-PT" sz="2500" b="0" i="0" u="none" strike="noStrike" cap="none" normalizeH="0" baseline="0" smtClean="0">
+          <a:defRPr kumimoji="0" sz="2500" b="0" i="0" u="none" strike="noStrike" cap="none" normalizeH="0" baseline="0">
             <a:ln>
               <a:noFill/>
             </a:ln>

--- a/doc/Poster_Smart4Finances_ESTG.pptx
+++ b/doc/Poster_Smart4Finances_ESTG.pptx
@@ -3455,7 +3455,7 @@
         </p:nvSpPr>
         <p:spPr bwMode="auto">
           <a:xfrm>
-            <a:off x="4190228" y="1224735"/>
+            <a:off x="4175307" y="1233049"/>
             <a:ext cx="4672607" cy="7320280"/>
           </a:xfrm>
           <a:prstGeom prst="roundRect">
@@ -4153,8 +4153,8 @@
         </p:nvSpPr>
         <p:spPr>
           <a:xfrm>
-            <a:off x="153294" y="1344216"/>
-            <a:ext cx="3799234" cy="2185214"/>
+            <a:off x="113789" y="1343552"/>
+            <a:ext cx="3923186" cy="1892826"/>
           </a:xfrm>
           <a:prstGeom prst="rect">
             <a:avLst/>
@@ -4184,18 +4184,18 @@
           <a:p>
             <a:pPr algn="just"/>
             <a:r>
-              <a:rPr lang="pt-PT" sz="1200" dirty="0"/>
+              <a:rPr lang="pt-PT" sz="1100" dirty="0"/>
               <a:t>O</a:t>
             </a:r>
             <a:r>
-              <a:rPr lang="pt-PT" sz="1200" b="1" dirty="0"/>
+              <a:rPr lang="pt-PT" sz="1100" b="1" dirty="0"/>
               <a:t> Smart4Finances</a:t>
             </a:r>
             <a:r>
-              <a:rPr lang="pt-PT" sz="1200" dirty="0"/>
+              <a:rPr lang="pt-PT" sz="1100" dirty="0"/>
               <a:t> é uma aplicação web desenvolvida no âmbito da Licenciatura em Engenharia Informática que permite aos utilizadores gerir os seus rendimentos, despesas e investimentos. Com dashboards interativos e relatórios detalhados, a plataforma promove a literacia financeira e ajuda na tomada de decisões mais informadas sobre finanças pessoais.</a:t>
             </a:r>
-            <a:endParaRPr lang="pt-PT" sz="1050" dirty="0">
+            <a:endParaRPr lang="pt-PT" sz="1000" dirty="0">
               <a:solidFill>
                 <a:srgbClr val="DDAB28"/>
               </a:solidFill>
@@ -4224,8 +4224,8 @@
         </p:nvSpPr>
         <p:spPr>
           <a:xfrm>
-            <a:off x="129357" y="3270474"/>
-            <a:ext cx="3652937" cy="400110"/>
+            <a:off x="130420" y="3005546"/>
+            <a:ext cx="3906555" cy="3493264"/>
           </a:xfrm>
           <a:prstGeom prst="rect">
             <a:avLst/>
@@ -4246,6 +4246,67 @@
               </a:rPr>
               <a:t>Objetivos</a:t>
             </a:r>
+          </a:p>
+          <a:p>
+            <a:pPr marL="171450" indent="-171450" algn="just">
+              <a:buFont typeface="Arial" panose="020B0604020202020204" pitchFamily="34" charset="0"/>
+              <a:buChar char="•"/>
+            </a:pPr>
+            <a:r>
+              <a:rPr lang="pt-PT" sz="1100" dirty="0"/>
+              <a:t>Realizar pesquisa e testes detalhados sobre plataformas digitais de gestão financeira e identificar as principais funcionalidades e vulnerabilidades.</a:t>
+            </a:r>
+          </a:p>
+          <a:p>
+            <a:pPr marL="171450" indent="-171450" algn="just">
+              <a:buFont typeface="Arial" panose="020B0604020202020204" pitchFamily="34" charset="0"/>
+              <a:buChar char="•"/>
+            </a:pPr>
+            <a:r>
+              <a:rPr lang="pt-PT" sz="1100" dirty="0"/>
+              <a:t>Capturar e apresentar informações estatísticas sobre hábitos financeiros, poupança e investimento da população portuguesa.</a:t>
+            </a:r>
+          </a:p>
+          <a:p>
+            <a:pPr marL="171450" indent="-171450" algn="just">
+              <a:buFont typeface="Arial" panose="020B0604020202020204" pitchFamily="34" charset="0"/>
+              <a:buChar char="•"/>
+            </a:pPr>
+            <a:r>
+              <a:rPr lang="pt-PT" sz="1100" dirty="0"/>
+              <a:t>Desenvolver uma solução automatizada e intuitiva para recolha, organização e visualização das informações financeiras pessoais dos utilizadores.</a:t>
+            </a:r>
+          </a:p>
+          <a:p>
+            <a:pPr marL="171450" indent="-171450" algn="just">
+              <a:buFont typeface="Arial" panose="020B0604020202020204" pitchFamily="34" charset="0"/>
+              <a:buChar char="•"/>
+            </a:pPr>
+            <a:r>
+              <a:rPr lang="pt-PT" sz="1100" dirty="0"/>
+              <a:t>Implementar ferramentas inteligentes e automáticas para alertas financeiros, como limites de gastos mensais e notificações personalizadas sobre despesas.</a:t>
+            </a:r>
+          </a:p>
+          <a:p>
+            <a:pPr marL="171450" indent="-171450" algn="just">
+              <a:buFont typeface="Arial" panose="020B0604020202020204" pitchFamily="34" charset="0"/>
+              <a:buChar char="•"/>
+            </a:pPr>
+            <a:r>
+              <a:rPr lang="pt-PT" sz="1100" dirty="0"/>
+              <a:t>Construir uma plataforma web segura, acessível e responsiva que permita aos utilizadores gerir as suas finanças pessoais, proporcionando maior controlo e literacia financeira.</a:t>
+            </a:r>
+          </a:p>
+          <a:p>
+            <a:r>
+              <a:rPr lang="pt-PT" dirty="0"/>
+              <a:t> </a:t>
+            </a:r>
+            <a:endParaRPr lang="pt-PT" sz="2000" dirty="0">
+              <a:solidFill>
+                <a:srgbClr val="DDAB28"/>
+              </a:solidFill>
+            </a:endParaRPr>
           </a:p>
         </p:txBody>
       </p:sp>
@@ -4264,7 +4325,7 @@
         <p:spPr>
           <a:xfrm>
             <a:off x="4187990" y="1343552"/>
-            <a:ext cx="3652937" cy="400110"/>
+            <a:ext cx="4672607" cy="4770537"/>
           </a:xfrm>
           <a:prstGeom prst="rect">
             <a:avLst/>
@@ -4285,6 +4346,177 @@
               </a:rPr>
               <a:t>Arquitetura da Solução</a:t>
             </a:r>
+          </a:p>
+          <a:p>
+            <a:pPr marL="171450" indent="-171450">
+              <a:buFont typeface="Arial" panose="020B0604020202020204" pitchFamily="34" charset="0"/>
+              <a:buChar char="•"/>
+            </a:pPr>
+            <a:r>
+              <a:rPr lang="pt-PT" sz="1100" dirty="0"/>
+              <a:t>Foi desenvolvida uma arquitetura web robusta estruturada em três camadas principais: </a:t>
+            </a:r>
+          </a:p>
+          <a:p>
+            <a:pPr marL="628650" lvl="1" indent="-171450">
+              <a:buFont typeface="Arial" panose="020B0604020202020204" pitchFamily="34" charset="0"/>
+              <a:buChar char="•"/>
+            </a:pPr>
+            <a:r>
+              <a:rPr lang="pt-PT" sz="1100" b="1" dirty="0" err="1"/>
+              <a:t>Frontend</a:t>
+            </a:r>
+            <a:r>
+              <a:rPr lang="pt-PT" sz="1100" b="1" dirty="0"/>
+              <a:t>:</a:t>
+            </a:r>
+            <a:r>
+              <a:rPr lang="pt-PT" sz="1100" dirty="0"/>
+              <a:t> Recorrendo a </a:t>
+            </a:r>
+            <a:r>
+              <a:rPr lang="pt-PT" sz="1100" dirty="0" err="1"/>
+              <a:t>Vue.js</a:t>
+            </a:r>
+            <a:r>
+              <a:rPr lang="pt-PT" sz="1100" dirty="0"/>
+              <a:t> para criar uma interface responsiva, dinâmica e centrada no utilizador, proporcionando uma experiência fluida em dispositivos móveis e desktop.</a:t>
+            </a:r>
+          </a:p>
+          <a:p>
+            <a:pPr marL="628650" lvl="1" indent="-171450">
+              <a:buFont typeface="Arial" panose="020B0604020202020204" pitchFamily="34" charset="0"/>
+              <a:buChar char="•"/>
+            </a:pPr>
+            <a:r>
+              <a:rPr lang="pt-PT" sz="1100" b="1" dirty="0" err="1"/>
+              <a:t>Backend</a:t>
+            </a:r>
+            <a:r>
+              <a:rPr lang="pt-PT" sz="1100" b="1" dirty="0"/>
+              <a:t>:</a:t>
+            </a:r>
+            <a:r>
+              <a:rPr lang="pt-PT" sz="1100" dirty="0"/>
+              <a:t> Foi implementada em </a:t>
+            </a:r>
+            <a:r>
+              <a:rPr lang="pt-PT" sz="1100" dirty="0" err="1"/>
+              <a:t>Laravel</a:t>
+            </a:r>
+            <a:r>
+              <a:rPr lang="pt-PT" sz="1100" dirty="0"/>
+              <a:t> para garantir segurança, gestão de lógica de negócio, autenticação eficiente (</a:t>
+            </a:r>
+            <a:r>
+              <a:rPr lang="pt-PT" sz="1100" dirty="0" err="1"/>
+              <a:t>Laravel</a:t>
+            </a:r>
+            <a:r>
+              <a:rPr lang="pt-PT" sz="1100" dirty="0"/>
+              <a:t> </a:t>
+            </a:r>
+            <a:r>
+              <a:rPr lang="pt-PT" sz="1100" dirty="0" err="1"/>
+              <a:t>Passport</a:t>
+            </a:r>
+            <a:r>
+              <a:rPr lang="pt-PT" sz="1100" dirty="0"/>
+              <a:t>), e integração facilitada com </a:t>
+            </a:r>
+            <a:r>
+              <a:rPr lang="pt-PT" sz="1100" dirty="0" err="1"/>
+              <a:t>APIs</a:t>
+            </a:r>
+            <a:r>
+              <a:rPr lang="pt-PT" sz="1100" dirty="0"/>
+              <a:t> externas e serviços adicionais (SMTP para notificações).</a:t>
+            </a:r>
+          </a:p>
+          <a:p>
+            <a:pPr marL="628650" lvl="1" indent="-171450">
+              <a:buFont typeface="Arial" panose="020B0604020202020204" pitchFamily="34" charset="0"/>
+              <a:buChar char="•"/>
+            </a:pPr>
+            <a:r>
+              <a:rPr lang="pt-PT" sz="1100" b="1" dirty="0"/>
+              <a:t>Base de Dados:</a:t>
+            </a:r>
+            <a:r>
+              <a:rPr lang="pt-PT" sz="1100" dirty="0"/>
+              <a:t> Foi </a:t>
+            </a:r>
+            <a:r>
+              <a:rPr lang="pt-PT" sz="1100" dirty="0" err="1"/>
+              <a:t>otimizizada</a:t>
+            </a:r>
+            <a:r>
+              <a:rPr lang="pt-PT" sz="1100" dirty="0"/>
+              <a:t> a BD </a:t>
+            </a:r>
+            <a:r>
+              <a:rPr lang="pt-PT" sz="1100" dirty="0" err="1"/>
+              <a:t>MySQL</a:t>
+            </a:r>
+            <a:r>
+              <a:rPr lang="pt-PT" sz="1100" dirty="0"/>
+              <a:t> para armazenamento eficaz e seguro, com elevada performance na manipulação de grandes volumes de dados financeiros.</a:t>
+            </a:r>
+          </a:p>
+          <a:p>
+            <a:pPr marL="171450" indent="-171450">
+              <a:buFont typeface="Arial" panose="020B0604020202020204" pitchFamily="34" charset="0"/>
+              <a:buChar char="•"/>
+            </a:pPr>
+            <a:r>
+              <a:rPr lang="pt-PT" sz="1100" dirty="0"/>
+              <a:t>Garantimos a segurança rigorosa através de mecanismos de autenticação robustos, prevenção de vulnerabilidades (CSRF, SQL </a:t>
+            </a:r>
+            <a:r>
+              <a:rPr lang="pt-PT" sz="1100" dirty="0" err="1"/>
+              <a:t>Injection</a:t>
+            </a:r>
+            <a:r>
+              <a:rPr lang="pt-PT" sz="1100" dirty="0"/>
+              <a:t>, XSS) e protocolos seguros de comunicação entre camadas.</a:t>
+            </a:r>
+          </a:p>
+          <a:p>
+            <a:pPr marL="171450" indent="-171450">
+              <a:buFont typeface="Arial" panose="020B0604020202020204" pitchFamily="34" charset="0"/>
+              <a:buChar char="•"/>
+            </a:pPr>
+            <a:r>
+              <a:rPr lang="pt-PT" sz="1100" dirty="0"/>
+              <a:t>Foi desenvolvida uma API REST intuitiva e bem documentada, permitindo integração simples com outros sistemas e aplicações móveis futuras.</a:t>
+            </a:r>
+          </a:p>
+          <a:p>
+            <a:pPr marL="171450" indent="-171450">
+              <a:buFont typeface="Arial" panose="020B0604020202020204" pitchFamily="34" charset="0"/>
+              <a:buChar char="•"/>
+            </a:pPr>
+            <a:r>
+              <a:rPr lang="pt-PT" sz="1100" dirty="0"/>
+              <a:t>Foi preparada a arquitetura para escalabilidade horizontal e vertical, permitindo expansão fácil, manutenção simplificada e adição de novas funcionalidades sem comprometer o desempenho.</a:t>
+            </a:r>
+          </a:p>
+          <a:p>
+            <a:pPr marL="171450" indent="-171450">
+              <a:buFont typeface="Arial" panose="020B0604020202020204" pitchFamily="34" charset="0"/>
+              <a:buChar char="•"/>
+            </a:pPr>
+            <a:r>
+              <a:rPr lang="pt-PT" sz="1100" dirty="0"/>
+              <a:t>Foi assegurada a modularidade e clareza no código, possibilitando colaboração eficaz entre membros da equipa e continuidade do desenvolvimento por futuras equipas.</a:t>
+            </a:r>
+          </a:p>
+          <a:p>
+            <a:endParaRPr lang="pt-PT" sz="2000" dirty="0">
+              <a:solidFill>
+                <a:srgbClr val="DDAB28"/>
+              </a:solidFill>
+            </a:endParaRPr>
           </a:p>
         </p:txBody>
       </p:sp>
@@ -4302,8 +4534,8 @@
         </p:nvSpPr>
         <p:spPr>
           <a:xfrm>
-            <a:off x="134814" y="5857621"/>
-            <a:ext cx="3652937" cy="400110"/>
+            <a:off x="130420" y="6283199"/>
+            <a:ext cx="3083078" cy="2569934"/>
           </a:xfrm>
           <a:prstGeom prst="rect">
             <a:avLst/>
@@ -4324,6 +4556,111 @@
               </a:rPr>
               <a:t>Arquitetura Proposta</a:t>
             </a:r>
+          </a:p>
+          <a:p>
+            <a:pPr marL="171450" indent="-171450" algn="just">
+              <a:buFont typeface="Arial" panose="020B0604020202020204" pitchFamily="34" charset="0"/>
+              <a:buChar char="•"/>
+            </a:pPr>
+            <a:r>
+              <a:rPr lang="pt-PT" sz="1100" dirty="0"/>
+              <a:t>Arquitetura escalável em três camadas (</a:t>
+            </a:r>
+            <a:r>
+              <a:rPr lang="pt-PT" sz="1100" dirty="0" err="1"/>
+              <a:t>Frontend</a:t>
+            </a:r>
+            <a:r>
+              <a:rPr lang="pt-PT" sz="1100" dirty="0"/>
+              <a:t> </a:t>
+            </a:r>
+            <a:r>
+              <a:rPr lang="pt-PT" sz="1100" dirty="0" err="1"/>
+              <a:t>Vue.js</a:t>
+            </a:r>
+            <a:r>
+              <a:rPr lang="pt-PT" sz="1100" dirty="0"/>
+              <a:t>, </a:t>
+            </a:r>
+            <a:r>
+              <a:rPr lang="pt-PT" sz="1100" dirty="0" err="1"/>
+              <a:t>Backend</a:t>
+            </a:r>
+            <a:r>
+              <a:rPr lang="pt-PT" sz="1100" dirty="0"/>
+              <a:t> </a:t>
+            </a:r>
+            <a:r>
+              <a:rPr lang="pt-PT" sz="1100" dirty="0" err="1"/>
+              <a:t>Laravel</a:t>
+            </a:r>
+            <a:r>
+              <a:rPr lang="pt-PT" sz="1100" dirty="0"/>
+              <a:t>, BD </a:t>
+            </a:r>
+            <a:r>
+              <a:rPr lang="pt-PT" sz="1100" dirty="0" err="1"/>
+              <a:t>MySQL</a:t>
+            </a:r>
+            <a:r>
+              <a:rPr lang="pt-PT" sz="1100" dirty="0"/>
+              <a:t>).</a:t>
+            </a:r>
+          </a:p>
+          <a:p>
+            <a:pPr marL="171450" indent="-171450" algn="just">
+              <a:buFont typeface="Arial" panose="020B0604020202020204" pitchFamily="34" charset="0"/>
+              <a:buChar char="•"/>
+            </a:pPr>
+            <a:r>
+              <a:rPr lang="pt-PT" sz="1100" dirty="0"/>
+              <a:t>Garantir a comunicação segura e eficiente via API REST com autenticação robusta.</a:t>
+            </a:r>
+          </a:p>
+          <a:p>
+            <a:pPr marL="171450" indent="-171450" algn="just">
+              <a:buFont typeface="Arial" panose="020B0604020202020204" pitchFamily="34" charset="0"/>
+              <a:buChar char="•"/>
+            </a:pPr>
+            <a:r>
+              <a:rPr lang="pt-PT" sz="1100" dirty="0"/>
+              <a:t>Implementar interface responsiva e amigável com </a:t>
+            </a:r>
+            <a:r>
+              <a:rPr lang="pt-PT" sz="1100" dirty="0" err="1"/>
+              <a:t>Vue.js</a:t>
+            </a:r>
+            <a:r>
+              <a:rPr lang="pt-PT" sz="1100" dirty="0"/>
+              <a:t>.</a:t>
+            </a:r>
+          </a:p>
+          <a:p>
+            <a:pPr marL="171450" indent="-171450" algn="just">
+              <a:buFont typeface="Arial" panose="020B0604020202020204" pitchFamily="34" charset="0"/>
+              <a:buChar char="•"/>
+            </a:pPr>
+            <a:r>
+              <a:rPr lang="pt-PT" sz="1100" dirty="0"/>
+              <a:t>Otimizar desempenho e segurança da base de dados.</a:t>
+            </a:r>
+          </a:p>
+          <a:p>
+            <a:pPr marL="171450" indent="-171450" algn="just">
+              <a:buFont typeface="Arial" panose="020B0604020202020204" pitchFamily="34" charset="0"/>
+              <a:buChar char="•"/>
+            </a:pPr>
+            <a:r>
+              <a:rPr lang="pt-PT" sz="1100" dirty="0"/>
+              <a:t>Permitir fácil manutenção e expansão futura.</a:t>
+            </a:r>
+          </a:p>
+          <a:p>
+            <a:endParaRPr lang="pt-PT" sz="2000" dirty="0">
+              <a:solidFill>
+                <a:srgbClr val="DDAB28"/>
+              </a:solidFill>
+            </a:endParaRPr>
           </a:p>
         </p:txBody>
       </p:sp>
@@ -4342,7 +4679,7 @@
         <p:spPr>
           <a:xfrm>
             <a:off x="9073419" y="1343552"/>
-            <a:ext cx="3652937" cy="400110"/>
+            <a:ext cx="3593367" cy="2569934"/>
           </a:xfrm>
           <a:prstGeom prst="rect">
             <a:avLst/>
@@ -4363,6 +4700,79 @@
               </a:rPr>
               <a:t>Resultados Obtidos</a:t>
             </a:r>
+          </a:p>
+          <a:p>
+            <a:pPr marL="171450" indent="-171450" algn="just">
+              <a:buFont typeface="Arial" panose="020B0604020202020204" pitchFamily="34" charset="0"/>
+              <a:buChar char="•"/>
+            </a:pPr>
+            <a:r>
+              <a:rPr lang="pt-PT" sz="1100" dirty="0"/>
+              <a:t>Desenvolvimento </a:t>
+            </a:r>
+            <a:r>
+              <a:rPr lang="pt-PT" sz="1100" b="1" dirty="0"/>
+              <a:t>eficaz</a:t>
+            </a:r>
+            <a:r>
+              <a:rPr lang="pt-PT" sz="1100" dirty="0"/>
+              <a:t> de uma aplicação web completa para gestão financeira pessoal.</a:t>
+            </a:r>
+          </a:p>
+          <a:p>
+            <a:pPr marL="171450" indent="-171450" algn="just">
+              <a:buFont typeface="Arial" panose="020B0604020202020204" pitchFamily="34" charset="0"/>
+              <a:buChar char="•"/>
+            </a:pPr>
+            <a:r>
+              <a:rPr lang="pt-PT" sz="1100" dirty="0"/>
+              <a:t>Implementação </a:t>
+            </a:r>
+            <a:r>
+              <a:rPr lang="pt-PT" sz="1100" b="1" dirty="0"/>
+              <a:t>bem-sucedida</a:t>
+            </a:r>
+            <a:r>
+              <a:rPr lang="pt-PT" sz="1100" dirty="0"/>
+              <a:t> de dashboards intuitivos e relatórios financeiros detalhados.</a:t>
+            </a:r>
+          </a:p>
+          <a:p>
+            <a:pPr marL="171450" indent="-171450" algn="just">
+              <a:buFont typeface="Arial" panose="020B0604020202020204" pitchFamily="34" charset="0"/>
+              <a:buChar char="•"/>
+            </a:pPr>
+            <a:r>
+              <a:rPr lang="pt-PT" sz="1100" dirty="0"/>
+              <a:t>Integração de alertas automáticos e personalizáveis para controlo de despesas.</a:t>
+            </a:r>
+          </a:p>
+          <a:p>
+            <a:pPr marL="171450" indent="-171450" algn="just">
+              <a:buFont typeface="Arial" panose="020B0604020202020204" pitchFamily="34" charset="0"/>
+              <a:buChar char="•"/>
+            </a:pPr>
+            <a:r>
+              <a:rPr lang="pt-PT" sz="1100" dirty="0"/>
+              <a:t>Validação positiva em testes de usabilidade, confirmando facilidade e eficiência na utilização da plataforma.</a:t>
+            </a:r>
+          </a:p>
+          <a:p>
+            <a:pPr marL="171450" indent="-171450" algn="just">
+              <a:buFont typeface="Arial" panose="020B0604020202020204" pitchFamily="34" charset="0"/>
+              <a:buChar char="•"/>
+            </a:pPr>
+            <a:r>
+              <a:rPr lang="pt-PT" sz="1100" dirty="0"/>
+              <a:t>Plataforma preparada para expansão, manutenção e integração futura de novas funcionalidades.</a:t>
+            </a:r>
+          </a:p>
+          <a:p>
+            <a:endParaRPr lang="pt-PT" sz="2000" dirty="0">
+              <a:solidFill>
+                <a:srgbClr val="DDAB28"/>
+              </a:solidFill>
+            </a:endParaRPr>
           </a:p>
         </p:txBody>
       </p:sp>
@@ -4394,8 +4804,8 @@
         </p:blipFill>
         <p:spPr>
           <a:xfrm>
-            <a:off x="3088432" y="5880853"/>
-            <a:ext cx="866377" cy="2584592"/>
+            <a:off x="3232448" y="6153683"/>
+            <a:ext cx="772406" cy="2304256"/>
           </a:xfrm>
           <a:prstGeom prst="rect">
             <a:avLst/>
@@ -4430,8 +4840,8 @@
         </p:blipFill>
         <p:spPr>
           <a:xfrm>
-            <a:off x="4929813" y="5073854"/>
-            <a:ext cx="3193436" cy="3203672"/>
+            <a:off x="5266388" y="5736704"/>
+            <a:ext cx="2733973" cy="2742736"/>
           </a:xfrm>
           <a:prstGeom prst="rect">
             <a:avLst/>
@@ -4440,10 +4850,10 @@
       </p:pic>
       <p:pic>
         <p:nvPicPr>
-          <p:cNvPr id="29" name="Imagem 28" descr="Uma imagem com texto, captura de ecrã, diagrama, Gráfico&#10;&#10;Os conteúdos gerados por IA podem estar incorretos.">
+          <p:cNvPr id="4" name="Imagem 3" descr="Uma imagem com texto, captura de ecrã, diagrama, Saturação de cores&#10;&#10;Os conteúdos gerados por IA podem estar incorretos.">
             <a:extLst>
               <a:ext uri="{FF2B5EF4-FFF2-40B4-BE49-F238E27FC236}">
-                <a16:creationId xmlns:a16="http://schemas.microsoft.com/office/drawing/2014/main" id="{1182EE6E-66D3-26D0-505B-1B55981DCB99}"/>
+                <a16:creationId xmlns:a16="http://schemas.microsoft.com/office/drawing/2014/main" id="{C7EDFBBF-9A46-83E2-1014-2CD186582481}"/>
               </a:ext>
             </a:extLst>
           </p:cNvPr>
@@ -4466,44 +4876,8 @@
         </p:blipFill>
         <p:spPr>
           <a:xfrm>
-            <a:off x="9372823" y="3226635"/>
-            <a:ext cx="2566094" cy="3072408"/>
-          </a:xfrm>
-          <a:prstGeom prst="rect">
-            <a:avLst/>
-          </a:prstGeom>
-        </p:spPr>
-      </p:pic>
-      <p:pic>
-        <p:nvPicPr>
-          <p:cNvPr id="31" name="Imagem 30" descr="Uma imagem com texto, captura de ecrã, diagrama, círculo&#10;&#10;Os conteúdos gerados por IA podem estar incorretos.">
-            <a:extLst>
-              <a:ext uri="{FF2B5EF4-FFF2-40B4-BE49-F238E27FC236}">
-                <a16:creationId xmlns:a16="http://schemas.microsoft.com/office/drawing/2014/main" id="{E5C17502-A6FB-87DC-9CCE-0164D3BFB984}"/>
-              </a:ext>
-            </a:extLst>
-          </p:cNvPr>
-          <p:cNvPicPr>
-            <a:picLocks noChangeAspect="1"/>
-          </p:cNvPicPr>
-          <p:nvPr/>
-        </p:nvPicPr>
-        <p:blipFill>
-          <a:blip r:embed="rId10">
-            <a:extLst>
-              <a:ext uri="{28A0092B-C50C-407E-A947-70E740481C1C}">
-                <a14:useLocalDpi xmlns:a14="http://schemas.microsoft.com/office/drawing/2010/main" val="0"/>
-              </a:ext>
-            </a:extLst>
-          </a:blip>
-          <a:stretch>
-            <a:fillRect/>
-          </a:stretch>
-        </p:blipFill>
-        <p:spPr>
-          <a:xfrm>
-            <a:off x="9372538" y="6283199"/>
-            <a:ext cx="2566094" cy="2196241"/>
+            <a:off x="9641160" y="3592834"/>
+            <a:ext cx="2407462" cy="4893389"/>
           </a:xfrm>
           <a:prstGeom prst="rect">
             <a:avLst/>

--- a/doc/Poster_Smart4Finances_ESTG.pptx
+++ b/doc/Poster_Smart4Finances_ESTG.pptx
@@ -4814,10 +4814,10 @@
       </p:pic>
       <p:pic>
         <p:nvPicPr>
-          <p:cNvPr id="27" name="Imagem 26" descr="Uma imagem com texto, captura de ecrã, Tipo de letra, diagrama&#10;&#10;Os conteúdos gerados por IA podem estar incorretos.">
+          <p:cNvPr id="4" name="Imagem 3" descr="Uma imagem com texto, captura de ecrã, diagrama, Saturação de cores&#10;&#10;Os conteúdos gerados por IA podem estar incorretos.">
             <a:extLst>
               <a:ext uri="{FF2B5EF4-FFF2-40B4-BE49-F238E27FC236}">
-                <a16:creationId xmlns:a16="http://schemas.microsoft.com/office/drawing/2014/main" id="{DEFB20F4-527E-9A2B-6C6B-44FA5B87AED0}"/>
+                <a16:creationId xmlns:a16="http://schemas.microsoft.com/office/drawing/2014/main" id="{C7EDFBBF-9A46-83E2-1014-2CD186582481}"/>
               </a:ext>
             </a:extLst>
           </p:cNvPr>
@@ -4840,8 +4840,8 @@
         </p:blipFill>
         <p:spPr>
           <a:xfrm>
-            <a:off x="5266388" y="5736704"/>
-            <a:ext cx="2733973" cy="2742736"/>
+            <a:off x="9641160" y="3592834"/>
+            <a:ext cx="2407462" cy="4893389"/>
           </a:xfrm>
           <a:prstGeom prst="rect">
             <a:avLst/>
@@ -4850,10 +4850,10 @@
       </p:pic>
       <p:pic>
         <p:nvPicPr>
-          <p:cNvPr id="4" name="Imagem 3" descr="Uma imagem com texto, captura de ecrã, diagrama, Saturação de cores&#10;&#10;Os conteúdos gerados por IA podem estar incorretos.">
+          <p:cNvPr id="5" name="Imagem 4" descr="Uma imagem com texto, captura de ecrã, diagrama, Tipo de letra&#10;&#10;Os conteúdos gerados por IA podem estar incorretos.">
             <a:extLst>
               <a:ext uri="{FF2B5EF4-FFF2-40B4-BE49-F238E27FC236}">
-                <a16:creationId xmlns:a16="http://schemas.microsoft.com/office/drawing/2014/main" id="{C7EDFBBF-9A46-83E2-1014-2CD186582481}"/>
+                <a16:creationId xmlns:a16="http://schemas.microsoft.com/office/drawing/2014/main" id="{2EDB807E-3297-B963-689D-F36CC734B9AB}"/>
               </a:ext>
             </a:extLst>
           </p:cNvPr>
@@ -4876,8 +4876,8 @@
         </p:blipFill>
         <p:spPr>
           <a:xfrm>
-            <a:off x="9641160" y="3592834"/>
-            <a:ext cx="2407462" cy="4893389"/>
+            <a:off x="5130908" y="5824481"/>
+            <a:ext cx="2692514" cy="2670844"/>
           </a:xfrm>
           <a:prstGeom prst="rect">
             <a:avLst/>

--- a/doc/Poster_Smart4Finances_ESTG.pptx
+++ b/doc/Poster_Smart4Finances_ESTG.pptx
@@ -4444,15 +4444,7 @@
             </a:r>
             <a:r>
               <a:rPr lang="pt-PT" sz="1100" dirty="0"/>
-              <a:t> Foi </a:t>
-            </a:r>
-            <a:r>
-              <a:rPr lang="pt-PT" sz="1100" dirty="0" err="1"/>
-              <a:t>otimizizada</a:t>
-            </a:r>
-            <a:r>
-              <a:rPr lang="pt-PT" sz="1100" dirty="0"/>
-              <a:t> a BD </a:t>
+              <a:t> Foi otimizada a BD </a:t>
             </a:r>
             <a:r>
               <a:rPr lang="pt-PT" sz="1100" dirty="0" err="1"/>
